--- a/outputs/disturbance_map.pptx
+++ b/outputs/disturbance_map.pptx
@@ -243,7 +243,7 @@
           <a:p>
             <a:fld id="{66148DBC-4713-C34F-8E73-FCF0050C4FBB}" type="datetimeFigureOut">
               <a:rPr lang="en-US" smtClean="0"/>
-              <a:t>10/15/20</a:t>
+              <a:t>11/3/20</a:t>
             </a:fld>
             <a:endParaRPr lang="en-US"/>
           </a:p>
@@ -413,7 +413,7 @@
           <a:p>
             <a:fld id="{66148DBC-4713-C34F-8E73-FCF0050C4FBB}" type="datetimeFigureOut">
               <a:rPr lang="en-US" smtClean="0"/>
-              <a:t>10/15/20</a:t>
+              <a:t>11/3/20</a:t>
             </a:fld>
             <a:endParaRPr lang="en-US"/>
           </a:p>
@@ -593,7 +593,7 @@
           <a:p>
             <a:fld id="{66148DBC-4713-C34F-8E73-FCF0050C4FBB}" type="datetimeFigureOut">
               <a:rPr lang="en-US" smtClean="0"/>
-              <a:t>10/15/20</a:t>
+              <a:t>11/3/20</a:t>
             </a:fld>
             <a:endParaRPr lang="en-US"/>
           </a:p>
@@ -763,7 +763,7 @@
           <a:p>
             <a:fld id="{66148DBC-4713-C34F-8E73-FCF0050C4FBB}" type="datetimeFigureOut">
               <a:rPr lang="en-US" smtClean="0"/>
-              <a:t>10/15/20</a:t>
+              <a:t>11/3/20</a:t>
             </a:fld>
             <a:endParaRPr lang="en-US"/>
           </a:p>
@@ -1009,7 +1009,7 @@
           <a:p>
             <a:fld id="{66148DBC-4713-C34F-8E73-FCF0050C4FBB}" type="datetimeFigureOut">
               <a:rPr lang="en-US" smtClean="0"/>
-              <a:t>10/15/20</a:t>
+              <a:t>11/3/20</a:t>
             </a:fld>
             <a:endParaRPr lang="en-US"/>
           </a:p>
@@ -1241,7 +1241,7 @@
           <a:p>
             <a:fld id="{66148DBC-4713-C34F-8E73-FCF0050C4FBB}" type="datetimeFigureOut">
               <a:rPr lang="en-US" smtClean="0"/>
-              <a:t>10/15/20</a:t>
+              <a:t>11/3/20</a:t>
             </a:fld>
             <a:endParaRPr lang="en-US"/>
           </a:p>
@@ -1608,7 +1608,7 @@
           <a:p>
             <a:fld id="{66148DBC-4713-C34F-8E73-FCF0050C4FBB}" type="datetimeFigureOut">
               <a:rPr lang="en-US" smtClean="0"/>
-              <a:t>10/15/20</a:t>
+              <a:t>11/3/20</a:t>
             </a:fld>
             <a:endParaRPr lang="en-US"/>
           </a:p>
@@ -1726,7 +1726,7 @@
           <a:p>
             <a:fld id="{66148DBC-4713-C34F-8E73-FCF0050C4FBB}" type="datetimeFigureOut">
               <a:rPr lang="en-US" smtClean="0"/>
-              <a:t>10/15/20</a:t>
+              <a:t>11/3/20</a:t>
             </a:fld>
             <a:endParaRPr lang="en-US"/>
           </a:p>
@@ -1821,7 +1821,7 @@
           <a:p>
             <a:fld id="{66148DBC-4713-C34F-8E73-FCF0050C4FBB}" type="datetimeFigureOut">
               <a:rPr lang="en-US" smtClean="0"/>
-              <a:t>10/15/20</a:t>
+              <a:t>11/3/20</a:t>
             </a:fld>
             <a:endParaRPr lang="en-US"/>
           </a:p>
@@ -2098,7 +2098,7 @@
           <a:p>
             <a:fld id="{66148DBC-4713-C34F-8E73-FCF0050C4FBB}" type="datetimeFigureOut">
               <a:rPr lang="en-US" smtClean="0"/>
-              <a:t>10/15/20</a:t>
+              <a:t>11/3/20</a:t>
             </a:fld>
             <a:endParaRPr lang="en-US"/>
           </a:p>
@@ -2355,7 +2355,7 @@
           <a:p>
             <a:fld id="{66148DBC-4713-C34F-8E73-FCF0050C4FBB}" type="datetimeFigureOut">
               <a:rPr lang="en-US" smtClean="0"/>
-              <a:t>10/15/20</a:t>
+              <a:t>11/3/20</a:t>
             </a:fld>
             <a:endParaRPr lang="en-US"/>
           </a:p>
@@ -2568,7 +2568,7 @@
           <a:p>
             <a:fld id="{66148DBC-4713-C34F-8E73-FCF0050C4FBB}" type="datetimeFigureOut">
               <a:rPr lang="en-US" smtClean="0"/>
-              <a:t>10/15/20</a:t>
+              <a:t>11/3/20</a:t>
             </a:fld>
             <a:endParaRPr lang="en-US"/>
           </a:p>
@@ -2987,9 +2987,9 @@
           </p:cNvPicPr>
           <p:nvPr/>
         </p:nvPicPr>
-        <p:blipFill rotWithShape="1">
+        <p:blipFill>
           <a:blip r:embed="rId2"/>
-          <a:srcRect l="990" b="993"/>
+          <a:srcRect t="1" b="1"/>
           <a:stretch/>
         </p:blipFill>
         <p:spPr>
@@ -3062,7 +3062,7 @@
         <p:spPr>
           <a:xfrm>
             <a:off x="143914" y="43036"/>
-            <a:ext cx="7524365" cy="6771928"/>
+            <a:ext cx="7524364" cy="6771928"/>
           </a:xfrm>
           <a:prstGeom prst="rect">
             <a:avLst/>

--- a/outputs/disturbance_map.pptx
+++ b/outputs/disturbance_map.pptx
@@ -243,7 +243,7 @@
           <a:p>
             <a:fld id="{66148DBC-4713-C34F-8E73-FCF0050C4FBB}" type="datetimeFigureOut">
               <a:rPr lang="en-US" smtClean="0"/>
-              <a:t>11/3/20</a:t>
+              <a:t>11/20/20</a:t>
             </a:fld>
             <a:endParaRPr lang="en-US"/>
           </a:p>
@@ -413,7 +413,7 @@
           <a:p>
             <a:fld id="{66148DBC-4713-C34F-8E73-FCF0050C4FBB}" type="datetimeFigureOut">
               <a:rPr lang="en-US" smtClean="0"/>
-              <a:t>11/3/20</a:t>
+              <a:t>11/20/20</a:t>
             </a:fld>
             <a:endParaRPr lang="en-US"/>
           </a:p>
@@ -593,7 +593,7 @@
           <a:p>
             <a:fld id="{66148DBC-4713-C34F-8E73-FCF0050C4FBB}" type="datetimeFigureOut">
               <a:rPr lang="en-US" smtClean="0"/>
-              <a:t>11/3/20</a:t>
+              <a:t>11/20/20</a:t>
             </a:fld>
             <a:endParaRPr lang="en-US"/>
           </a:p>
@@ -763,7 +763,7 @@
           <a:p>
             <a:fld id="{66148DBC-4713-C34F-8E73-FCF0050C4FBB}" type="datetimeFigureOut">
               <a:rPr lang="en-US" smtClean="0"/>
-              <a:t>11/3/20</a:t>
+              <a:t>11/20/20</a:t>
             </a:fld>
             <a:endParaRPr lang="en-US"/>
           </a:p>
@@ -1009,7 +1009,7 @@
           <a:p>
             <a:fld id="{66148DBC-4713-C34F-8E73-FCF0050C4FBB}" type="datetimeFigureOut">
               <a:rPr lang="en-US" smtClean="0"/>
-              <a:t>11/3/20</a:t>
+              <a:t>11/20/20</a:t>
             </a:fld>
             <a:endParaRPr lang="en-US"/>
           </a:p>
@@ -1241,7 +1241,7 @@
           <a:p>
             <a:fld id="{66148DBC-4713-C34F-8E73-FCF0050C4FBB}" type="datetimeFigureOut">
               <a:rPr lang="en-US" smtClean="0"/>
-              <a:t>11/3/20</a:t>
+              <a:t>11/20/20</a:t>
             </a:fld>
             <a:endParaRPr lang="en-US"/>
           </a:p>
@@ -1608,7 +1608,7 @@
           <a:p>
             <a:fld id="{66148DBC-4713-C34F-8E73-FCF0050C4FBB}" type="datetimeFigureOut">
               <a:rPr lang="en-US" smtClean="0"/>
-              <a:t>11/3/20</a:t>
+              <a:t>11/20/20</a:t>
             </a:fld>
             <a:endParaRPr lang="en-US"/>
           </a:p>
@@ -1726,7 +1726,7 @@
           <a:p>
             <a:fld id="{66148DBC-4713-C34F-8E73-FCF0050C4FBB}" type="datetimeFigureOut">
               <a:rPr lang="en-US" smtClean="0"/>
-              <a:t>11/3/20</a:t>
+              <a:t>11/20/20</a:t>
             </a:fld>
             <a:endParaRPr lang="en-US"/>
           </a:p>
@@ -1821,7 +1821,7 @@
           <a:p>
             <a:fld id="{66148DBC-4713-C34F-8E73-FCF0050C4FBB}" type="datetimeFigureOut">
               <a:rPr lang="en-US" smtClean="0"/>
-              <a:t>11/3/20</a:t>
+              <a:t>11/20/20</a:t>
             </a:fld>
             <a:endParaRPr lang="en-US"/>
           </a:p>
@@ -2098,7 +2098,7 @@
           <a:p>
             <a:fld id="{66148DBC-4713-C34F-8E73-FCF0050C4FBB}" type="datetimeFigureOut">
               <a:rPr lang="en-US" smtClean="0"/>
-              <a:t>11/3/20</a:t>
+              <a:t>11/20/20</a:t>
             </a:fld>
             <a:endParaRPr lang="en-US"/>
           </a:p>
@@ -2355,7 +2355,7 @@
           <a:p>
             <a:fld id="{66148DBC-4713-C34F-8E73-FCF0050C4FBB}" type="datetimeFigureOut">
               <a:rPr lang="en-US" smtClean="0"/>
-              <a:t>11/3/20</a:t>
+              <a:t>11/20/20</a:t>
             </a:fld>
             <a:endParaRPr lang="en-US"/>
           </a:p>
@@ -2568,7 +2568,7 @@
           <a:p>
             <a:fld id="{66148DBC-4713-C34F-8E73-FCF0050C4FBB}" type="datetimeFigureOut">
               <a:rPr lang="en-US" smtClean="0"/>
-              <a:t>11/3/20</a:t>
+              <a:t>11/20/20</a:t>
             </a:fld>
             <a:endParaRPr lang="en-US"/>
           </a:p>
@@ -3062,7 +3062,7 @@
         <p:spPr>
           <a:xfrm>
             <a:off x="143914" y="43036"/>
-            <a:ext cx="7524364" cy="6771928"/>
+            <a:ext cx="7524364" cy="6771927"/>
           </a:xfrm>
           <a:prstGeom prst="rect">
             <a:avLst/>
